--- a/2nd Year/Microprocessor/Notes/Lect-2 Bus Architecture of Microprocessor.pptx
+++ b/2nd Year/Microprocessor/Notes/Lect-2 Bus Architecture of Microprocessor.pptx
@@ -116,6 +116,50 @@
     </p:ext>
   </p:extLst>
 </p:presentation>
+</file>
+
+<file path=ppt/revisionInfo.xml><?xml version="1.0" encoding="utf-8"?>
+<p1510:revInfo xmlns:a="http://schemas.openxmlformats.org/drawingml/2006/main" xmlns:r="http://schemas.openxmlformats.org/officeDocument/2006/relationships" xmlns:p1510="http://schemas.microsoft.com/office/powerpoint/2015/10/main">
+  <p1510:revLst>
+    <p1510:client id="{9FA948F4-5A88-4BC0-861E-A45BC2252D2A}" v="3" dt="2022-10-10T19:43:25.873"/>
+  </p1510:revLst>
+</p1510:revInfo>
+</file>
+
+<file path=ppt/changesInfos/changesInfo1.xml><?xml version="1.0" encoding="utf-8"?>
+<pc:chgInfo xmlns:a="http://schemas.openxmlformats.org/drawingml/2006/main" xmlns:r="http://schemas.openxmlformats.org/officeDocument/2006/relationships" xmlns:ac="http://schemas.microsoft.com/office/drawing/2013/main/command" xmlns:pc="http://schemas.microsoft.com/office/powerpoint/2013/main/command">
+  <pc:docChgLst>
+    <pc:chgData name="Tarun Gupta" userId="42a1dbe82d7120f8" providerId="LiveId" clId="{9FA948F4-5A88-4BC0-861E-A45BC2252D2A}"/>
+    <pc:docChg chg="addSld delSld modSld">
+      <pc:chgData name="Tarun Gupta" userId="42a1dbe82d7120f8" providerId="LiveId" clId="{9FA948F4-5A88-4BC0-861E-A45BC2252D2A}" dt="2022-10-10T20:00:24.030" v="4" actId="47"/>
+      <pc:docMkLst>
+        <pc:docMk/>
+      </pc:docMkLst>
+      <pc:sldChg chg="modSp">
+        <pc:chgData name="Tarun Gupta" userId="42a1dbe82d7120f8" providerId="LiveId" clId="{9FA948F4-5A88-4BC0-861E-A45BC2252D2A}" dt="2022-10-10T19:43:25.857" v="2" actId="1037"/>
+        <pc:sldMkLst>
+          <pc:docMk/>
+          <pc:sldMk cId="992409664" sldId="257"/>
+        </pc:sldMkLst>
+        <pc:picChg chg="mod">
+          <ac:chgData name="Tarun Gupta" userId="42a1dbe82d7120f8" providerId="LiveId" clId="{9FA948F4-5A88-4BC0-861E-A45BC2252D2A}" dt="2022-10-10T19:43:25.857" v="2" actId="1037"/>
+          <ac:picMkLst>
+            <pc:docMk/>
+            <pc:sldMk cId="992409664" sldId="257"/>
+            <ac:picMk id="1026" creationId="{FD51A6B8-D9F2-4BEC-819B-05AD2D1A8AC8}"/>
+          </ac:picMkLst>
+        </pc:picChg>
+      </pc:sldChg>
+      <pc:sldChg chg="new del">
+        <pc:chgData name="Tarun Gupta" userId="42a1dbe82d7120f8" providerId="LiveId" clId="{9FA948F4-5A88-4BC0-861E-A45BC2252D2A}" dt="2022-10-10T20:00:24.030" v="4" actId="47"/>
+        <pc:sldMkLst>
+          <pc:docMk/>
+          <pc:sldMk cId="635391272" sldId="263"/>
+        </pc:sldMkLst>
+      </pc:sldChg>
+    </pc:docChg>
+  </pc:docChgLst>
+</pc:chgInfo>
 </file>
 
 <file path=ppt/diagrams/colors1.xml><?xml version="1.0" encoding="utf-8"?>
@@ -9391,7 +9435,7 @@
           <a:p>
             <a:fld id="{655A5808-3B61-48CC-92EF-85AC2E0DFA56}" type="datetime2">
               <a:rPr lang="en-US" smtClean="0"/>
-              <a:t>Tuesday, August 23, 2022</a:t>
+              <a:t>Tuesday, October 11, 2022</a:t>
             </a:fld>
             <a:endParaRPr lang="en-US"/>
           </a:p>
@@ -9589,7 +9633,7 @@
           <a:p>
             <a:fld id="{735E98AF-4574-4509-BF7A-519ACD5BF826}" type="datetime2">
               <a:rPr lang="en-US" smtClean="0"/>
-              <a:t>Tuesday, August 23, 2022</a:t>
+              <a:t>Tuesday, October 11, 2022</a:t>
             </a:fld>
             <a:endParaRPr lang="en-US"/>
           </a:p>
@@ -9799,7 +9843,7 @@
           <a:p>
             <a:fld id="{93DD97D4-9636-490F-85D0-E926C2B6F3B1}" type="datetime2">
               <a:rPr lang="en-US" smtClean="0"/>
-              <a:t>Tuesday, August 23, 2022</a:t>
+              <a:t>Tuesday, October 11, 2022</a:t>
             </a:fld>
             <a:endParaRPr lang="en-US"/>
           </a:p>
@@ -9998,7 +10042,7 @@
           <a:p>
             <a:fld id="{2F3AF3C6-0FD4-4939-991C-00DDE5C56815}" type="datetime2">
               <a:rPr lang="en-US" smtClean="0"/>
-              <a:t>Tuesday, August 23, 2022</a:t>
+              <a:t>Tuesday, October 11, 2022</a:t>
             </a:fld>
             <a:endParaRPr lang="en-US"/>
           </a:p>
@@ -10279,7 +10323,7 @@
           <a:p>
             <a:fld id="{86807482-8128-47C6-A8DD-6452B0291CFF}" type="datetime2">
               <a:rPr lang="en-US" smtClean="0"/>
-              <a:t>Tuesday, August 23, 2022</a:t>
+              <a:t>Tuesday, October 11, 2022</a:t>
             </a:fld>
             <a:endParaRPr lang="en-US"/>
           </a:p>
@@ -10547,7 +10591,7 @@
           <a:p>
             <a:fld id="{37903F25-275E-41DE-BE3B-EBF0DB49F9B1}" type="datetime2">
               <a:rPr lang="en-US" smtClean="0"/>
-              <a:t>Tuesday, August 23, 2022</a:t>
+              <a:t>Tuesday, October 11, 2022</a:t>
             </a:fld>
             <a:endParaRPr lang="en-US"/>
           </a:p>
@@ -10928,7 +10972,7 @@
           <a:p>
             <a:fld id="{EE475572-4A44-4171-84AA-64D42C8050A6}" type="datetime2">
               <a:rPr lang="en-US" smtClean="0"/>
-              <a:t>Tuesday, August 23, 2022</a:t>
+              <a:t>Tuesday, October 11, 2022</a:t>
             </a:fld>
             <a:endParaRPr lang="en-US"/>
           </a:p>
@@ -11098,7 +11142,7 @@
           <a:p>
             <a:fld id="{C4C1612E-528E-4FD5-9E9E-E15F1108F171}" type="datetime2">
               <a:rPr lang="en-US" smtClean="0"/>
-              <a:t>Tuesday, August 23, 2022</a:t>
+              <a:t>Tuesday, October 11, 2022</a:t>
             </a:fld>
             <a:endParaRPr lang="en-US"/>
           </a:p>
@@ -11211,7 +11255,7 @@
           <a:p>
             <a:fld id="{D4F6D862-A06D-436F-A92E-EBAAD50B6E50}" type="datetime2">
               <a:rPr lang="en-US" smtClean="0"/>
-              <a:t>Tuesday, August 23, 2022</a:t>
+              <a:t>Tuesday, October 11, 2022</a:t>
             </a:fld>
             <a:endParaRPr lang="en-US"/>
           </a:p>
@@ -11528,7 +11572,7 @@
           <a:p>
             <a:fld id="{B73E0B7D-2260-4809-8F0A-9E5F3E24F169}" type="datetime2">
               <a:rPr lang="en-US" smtClean="0"/>
-              <a:t>Tuesday, August 23, 2022</a:t>
+              <a:t>Tuesday, October 11, 2022</a:t>
             </a:fld>
             <a:endParaRPr lang="en-US"/>
           </a:p>
@@ -11820,7 +11864,7 @@
           <a:p>
             <a:fld id="{3C8E4735-C637-46A3-94EB-AB3AC4188D2F}" type="datetime2">
               <a:rPr lang="en-US" smtClean="0"/>
-              <a:t>Tuesday, August 23, 2022</a:t>
+              <a:t>Tuesday, October 11, 2022</a:t>
             </a:fld>
             <a:endParaRPr lang="en-US"/>
           </a:p>
@@ -12188,7 +12232,7 @@
             <a:fld id="{AE0C963C-C1DB-4AFD-9DDC-0691666BF49B}" type="datetime2">
               <a:rPr lang="en-US" smtClean="0"/>
               <a:pPr/>
-              <a:t>Tuesday, August 23, 2022</a:t>
+              <a:t>Tuesday, October 11, 2022</a:t>
             </a:fld>
             <a:endParaRPr lang="en-US" cap="all" dirty="0"/>
           </a:p>
@@ -13513,7 +13557,7 @@
         </p:blipFill>
         <p:spPr bwMode="auto">
           <a:xfrm>
-            <a:off x="-253197" y="10"/>
+            <a:off x="-261823" y="17262"/>
             <a:ext cx="12191979" cy="6857990"/>
           </a:xfrm>
           <a:prstGeom prst="rect">
